--- a/week12_python7_pandas/python12_numpy_pandas.pptx
+++ b/week12_python7_pandas/python12_numpy_pandas.pptx
@@ -3795,7 +3795,7 @@
         </p:nvSpPr>
         <p:spPr>
           <a:xfrm>
-            <a:off x="1708296" y="1305341"/>
+            <a:off x="1574184" y="1695485"/>
             <a:ext cx="9462977" cy="4247317"/>
           </a:xfrm>
           <a:prstGeom prst="rect">
@@ -9208,7 +9208,7 @@
                 </a:ln>
                 <a:latin typeface="Helvetica Light" panose="020B0403020202020204" pitchFamily="34" charset="0"/>
               </a:rPr>
-              <a:t>ssignment_6_python.md &amp; answers (for week 12 and week after Thanksgiving)</a:t>
+              <a:t>ssignment_6_python.md &amp; answers (for week 	12 and week after Thanksgiving)</a:t>
             </a:r>
           </a:p>
         </p:txBody>
